--- a/Architecture.pptx
+++ b/Architecture.pptx
@@ -6,6 +6,7 @@
   </p:sldMasterIdLst>
   <p:sldIdLst>
     <p:sldId id="256" r:id="rId2"/>
+    <p:sldId id="257" r:id="rId3"/>
   </p:sldIdLst>
   <p:sldSz cx="12192000" cy="6858000"/>
   <p:notesSz cx="6858000" cy="9144000"/>
@@ -104,6 +105,11 @@
       </a:defRPr>
     </a:lvl9pPr>
   </p:defaultTextStyle>
+  <p:extLst>
+    <p:ext uri="{EFAFB233-063F-42B5-8137-9DF3F51BA10A}">
+      <p15:sldGuideLst xmlns:p15="http://schemas.microsoft.com/office/powerpoint/2012/main"/>
+    </p:ext>
+  </p:extLst>
 </p:presentation>
 </file>
 
@@ -238,7 +244,7 @@
           <a:p>
             <a:fld id="{F572774B-69A9-46C9-973F-FD0729B992A2}" type="datetimeFigureOut">
               <a:rPr lang="en-US" smtClean="0"/>
-              <a:t>7/29/2020</a:t>
+              <a:t>7/30/2020</a:t>
             </a:fld>
             <a:endParaRPr lang="en-US"/>
           </a:p>
@@ -408,7 +414,7 @@
           <a:p>
             <a:fld id="{F572774B-69A9-46C9-973F-FD0729B992A2}" type="datetimeFigureOut">
               <a:rPr lang="en-US" smtClean="0"/>
-              <a:t>7/29/2020</a:t>
+              <a:t>7/30/2020</a:t>
             </a:fld>
             <a:endParaRPr lang="en-US"/>
           </a:p>
@@ -588,7 +594,7 @@
           <a:p>
             <a:fld id="{F572774B-69A9-46C9-973F-FD0729B992A2}" type="datetimeFigureOut">
               <a:rPr lang="en-US" smtClean="0"/>
-              <a:t>7/29/2020</a:t>
+              <a:t>7/30/2020</a:t>
             </a:fld>
             <a:endParaRPr lang="en-US"/>
           </a:p>
@@ -758,7 +764,7 @@
           <a:p>
             <a:fld id="{F572774B-69A9-46C9-973F-FD0729B992A2}" type="datetimeFigureOut">
               <a:rPr lang="en-US" smtClean="0"/>
-              <a:t>7/29/2020</a:t>
+              <a:t>7/30/2020</a:t>
             </a:fld>
             <a:endParaRPr lang="en-US"/>
           </a:p>
@@ -1004,7 +1010,7 @@
           <a:p>
             <a:fld id="{F572774B-69A9-46C9-973F-FD0729B992A2}" type="datetimeFigureOut">
               <a:rPr lang="en-US" smtClean="0"/>
-              <a:t>7/29/2020</a:t>
+              <a:t>7/30/2020</a:t>
             </a:fld>
             <a:endParaRPr lang="en-US"/>
           </a:p>
@@ -1236,7 +1242,7 @@
           <a:p>
             <a:fld id="{F572774B-69A9-46C9-973F-FD0729B992A2}" type="datetimeFigureOut">
               <a:rPr lang="en-US" smtClean="0"/>
-              <a:t>7/29/2020</a:t>
+              <a:t>7/30/2020</a:t>
             </a:fld>
             <a:endParaRPr lang="en-US"/>
           </a:p>
@@ -1603,7 +1609,7 @@
           <a:p>
             <a:fld id="{F572774B-69A9-46C9-973F-FD0729B992A2}" type="datetimeFigureOut">
               <a:rPr lang="en-US" smtClean="0"/>
-              <a:t>7/29/2020</a:t>
+              <a:t>7/30/2020</a:t>
             </a:fld>
             <a:endParaRPr lang="en-US"/>
           </a:p>
@@ -1721,7 +1727,7 @@
           <a:p>
             <a:fld id="{F572774B-69A9-46C9-973F-FD0729B992A2}" type="datetimeFigureOut">
               <a:rPr lang="en-US" smtClean="0"/>
-              <a:t>7/29/2020</a:t>
+              <a:t>7/30/2020</a:t>
             </a:fld>
             <a:endParaRPr lang="en-US"/>
           </a:p>
@@ -1816,7 +1822,7 @@
           <a:p>
             <a:fld id="{F572774B-69A9-46C9-973F-FD0729B992A2}" type="datetimeFigureOut">
               <a:rPr lang="en-US" smtClean="0"/>
-              <a:t>7/29/2020</a:t>
+              <a:t>7/30/2020</a:t>
             </a:fld>
             <a:endParaRPr lang="en-US"/>
           </a:p>
@@ -2093,7 +2099,7 @@
           <a:p>
             <a:fld id="{F572774B-69A9-46C9-973F-FD0729B992A2}" type="datetimeFigureOut">
               <a:rPr lang="en-US" smtClean="0"/>
-              <a:t>7/29/2020</a:t>
+              <a:t>7/30/2020</a:t>
             </a:fld>
             <a:endParaRPr lang="en-US"/>
           </a:p>
@@ -2346,7 +2352,7 @@
           <a:p>
             <a:fld id="{F572774B-69A9-46C9-973F-FD0729B992A2}" type="datetimeFigureOut">
               <a:rPr lang="en-US" smtClean="0"/>
-              <a:t>7/29/2020</a:t>
+              <a:t>7/30/2020</a:t>
             </a:fld>
             <a:endParaRPr lang="en-US"/>
           </a:p>
@@ -2559,7 +2565,7 @@
           <a:p>
             <a:fld id="{F572774B-69A9-46C9-973F-FD0729B992A2}" type="datetimeFigureOut">
               <a:rPr lang="en-US" smtClean="0"/>
-              <a:t>7/29/2020</a:t>
+              <a:t>7/30/2020</a:t>
             </a:fld>
             <a:endParaRPr lang="en-US"/>
           </a:p>
@@ -3318,6 +3324,1918 @@
   <p:clrMapOvr>
     <a:masterClrMapping/>
   </p:clrMapOvr>
+  <p:timing>
+    <p:tnLst>
+      <p:par>
+        <p:cTn id="1" dur="indefinite" restart="never" nodeType="tmRoot"/>
+      </p:par>
+    </p:tnLst>
+  </p:timing>
+</p:sld>
+</file>
+
+<file path=ppt/slides/slide2.xml><?xml version="1.0" encoding="utf-8"?>
+<p:sld xmlns:a="http://schemas.openxmlformats.org/drawingml/2006/main" xmlns:r="http://schemas.openxmlformats.org/officeDocument/2006/relationships" xmlns:p="http://schemas.openxmlformats.org/presentationml/2006/main">
+  <p:cSld>
+    <p:spTree>
+      <p:nvGrpSpPr>
+        <p:cNvPr id="1" name=""/>
+        <p:cNvGrpSpPr/>
+        <p:nvPr/>
+      </p:nvGrpSpPr>
+      <p:grpSpPr>
+        <a:xfrm>
+          <a:off x="0" y="0"/>
+          <a:ext cx="0" cy="0"/>
+          <a:chOff x="0" y="0"/>
+          <a:chExt cx="0" cy="0"/>
+        </a:xfrm>
+      </p:grpSpPr>
+      <p:grpSp>
+        <p:nvGrpSpPr>
+          <p:cNvPr id="18" name="Group 17"/>
+          <p:cNvGrpSpPr/>
+          <p:nvPr/>
+        </p:nvGrpSpPr>
+        <p:grpSpPr>
+          <a:xfrm>
+            <a:off x="229347" y="765410"/>
+            <a:ext cx="1135220" cy="5860473"/>
+            <a:chOff x="229347" y="765410"/>
+            <a:chExt cx="1135220" cy="5860473"/>
+          </a:xfrm>
+        </p:grpSpPr>
+        <p:sp>
+          <p:nvSpPr>
+            <p:cNvPr id="2" name="Rectangle 1"/>
+            <p:cNvSpPr/>
+            <p:nvPr/>
+          </p:nvSpPr>
+          <p:spPr>
+            <a:xfrm>
+              <a:off x="229347" y="765410"/>
+              <a:ext cx="1135220" cy="5860473"/>
+            </a:xfrm>
+            <a:prstGeom prst="rect">
+              <a:avLst/>
+            </a:prstGeom>
+            <a:noFill/>
+            <a:ln cmpd="sng">
+              <a:prstDash val="lgDashDotDot"/>
+            </a:ln>
+          </p:spPr>
+          <p:style>
+            <a:lnRef idx="2">
+              <a:schemeClr val="accent1">
+                <a:shade val="50000"/>
+              </a:schemeClr>
+            </a:lnRef>
+            <a:fillRef idx="1">
+              <a:schemeClr val="accent1"/>
+            </a:fillRef>
+            <a:effectRef idx="0">
+              <a:schemeClr val="accent1"/>
+            </a:effectRef>
+            <a:fontRef idx="minor">
+              <a:schemeClr val="lt1"/>
+            </a:fontRef>
+          </p:style>
+          <p:txBody>
+            <a:bodyPr rtlCol="0" anchor="t"/>
+            <a:lstStyle/>
+            <a:p>
+              <a:pPr algn="ctr"/>
+              <a:r>
+                <a:rPr lang="en-US" b="1" dirty="0" smtClean="0">
+                  <a:solidFill>
+                    <a:schemeClr val="tx1"/>
+                  </a:solidFill>
+                </a:rPr>
+                <a:t>Client</a:t>
+              </a:r>
+              <a:endParaRPr lang="en-US" b="1" dirty="0" smtClean="0">
+                <a:solidFill>
+                  <a:schemeClr val="tx1"/>
+                </a:solidFill>
+              </a:endParaRPr>
+            </a:p>
+          </p:txBody>
+        </p:sp>
+        <p:grpSp>
+          <p:nvGrpSpPr>
+            <p:cNvPr id="20" name="Group 19"/>
+            <p:cNvGrpSpPr/>
+            <p:nvPr/>
+          </p:nvGrpSpPr>
+          <p:grpSpPr>
+            <a:xfrm>
+              <a:off x="323338" y="1274793"/>
+              <a:ext cx="944489" cy="880439"/>
+              <a:chOff x="6611814" y="1969477"/>
+              <a:chExt cx="944489" cy="880439"/>
+            </a:xfrm>
+          </p:grpSpPr>
+          <p:pic>
+            <p:nvPicPr>
+              <p:cNvPr id="21" name="Picture 2" descr="File:Internet Explorer 10+11 logo.svg - Wikimedia Commons"/>
+              <p:cNvPicPr>
+                <a:picLocks noChangeAspect="1" noChangeArrowheads="1"/>
+              </p:cNvPicPr>
+              <p:nvPr/>
+            </p:nvPicPr>
+            <p:blipFill>
+              <a:blip r:embed="rId2" cstate="print">
+                <a:extLst>
+                  <a:ext uri="{28A0092B-C50C-407E-A947-70E740481C1C}">
+                    <a14:useLocalDpi xmlns:a14="http://schemas.microsoft.com/office/drawing/2010/main" val="0"/>
+                  </a:ext>
+                </a:extLst>
+              </a:blip>
+              <a:srcRect/>
+              <a:stretch>
+                <a:fillRect/>
+              </a:stretch>
+            </p:blipFill>
+            <p:spPr bwMode="auto">
+              <a:xfrm>
+                <a:off x="6797922" y="1998784"/>
+                <a:ext cx="556254" cy="546295"/>
+              </a:xfrm>
+              <a:prstGeom prst="rect">
+                <a:avLst/>
+              </a:prstGeom>
+              <a:noFill/>
+              <a:extLst>
+                <a:ext uri="{909E8E84-426E-40DD-AFC4-6F175D3DCCD1}">
+                  <a14:hiddenFill xmlns:a14="http://schemas.microsoft.com/office/drawing/2010/main">
+                    <a:solidFill>
+                      <a:srgbClr val="FFFFFF"/>
+                    </a:solidFill>
+                  </a14:hiddenFill>
+                </a:ext>
+              </a:extLst>
+            </p:spPr>
+          </p:pic>
+          <p:sp>
+            <p:nvSpPr>
+              <p:cNvPr id="22" name="Rectangle 21"/>
+              <p:cNvSpPr/>
+              <p:nvPr/>
+            </p:nvSpPr>
+            <p:spPr>
+              <a:xfrm>
+                <a:off x="6654018" y="1969477"/>
+                <a:ext cx="844062" cy="604911"/>
+              </a:xfrm>
+              <a:prstGeom prst="rect">
+                <a:avLst/>
+              </a:prstGeom>
+              <a:noFill/>
+              <a:ln>
+                <a:solidFill>
+                  <a:schemeClr val="tx1"/>
+                </a:solidFill>
+              </a:ln>
+            </p:spPr>
+            <p:style>
+              <a:lnRef idx="2">
+                <a:schemeClr val="accent1">
+                  <a:shade val="50000"/>
+                </a:schemeClr>
+              </a:lnRef>
+              <a:fillRef idx="1">
+                <a:schemeClr val="accent1"/>
+              </a:fillRef>
+              <a:effectRef idx="0">
+                <a:schemeClr val="accent1"/>
+              </a:effectRef>
+              <a:fontRef idx="minor">
+                <a:schemeClr val="lt1"/>
+              </a:fontRef>
+            </p:style>
+            <p:txBody>
+              <a:bodyPr rtlCol="0" anchor="ctr"/>
+              <a:lstStyle/>
+              <a:p>
+                <a:pPr algn="ctr"/>
+                <a:endParaRPr lang="en-US" dirty="0" smtClean="0"/>
+              </a:p>
+            </p:txBody>
+          </p:sp>
+          <p:sp>
+            <p:nvSpPr>
+              <p:cNvPr id="23" name="TextBox 22"/>
+              <p:cNvSpPr txBox="1"/>
+              <p:nvPr/>
+            </p:nvSpPr>
+            <p:spPr>
+              <a:xfrm>
+                <a:off x="6611814" y="2603695"/>
+                <a:ext cx="944489" cy="246221"/>
+              </a:xfrm>
+              <a:prstGeom prst="rect">
+                <a:avLst/>
+              </a:prstGeom>
+              <a:noFill/>
+            </p:spPr>
+            <p:txBody>
+              <a:bodyPr wrap="none" rtlCol="0">
+                <a:spAutoFit/>
+              </a:bodyPr>
+              <a:lstStyle/>
+              <a:p>
+                <a:r>
+                  <a:rPr lang="en-US" sz="1000" dirty="0" smtClean="0"/>
+                  <a:t>Client browser</a:t>
+                </a:r>
+                <a:endParaRPr lang="en-US" sz="1000" dirty="0"/>
+              </a:p>
+            </p:txBody>
+          </p:sp>
+        </p:grpSp>
+        <p:grpSp>
+          <p:nvGrpSpPr>
+            <p:cNvPr id="24" name="Group 23"/>
+            <p:cNvGrpSpPr/>
+            <p:nvPr/>
+          </p:nvGrpSpPr>
+          <p:grpSpPr>
+            <a:xfrm>
+              <a:off x="323338" y="2715760"/>
+              <a:ext cx="944489" cy="880439"/>
+              <a:chOff x="6611814" y="1969477"/>
+              <a:chExt cx="944489" cy="880439"/>
+            </a:xfrm>
+          </p:grpSpPr>
+          <p:pic>
+            <p:nvPicPr>
+              <p:cNvPr id="25" name="Picture 2" descr="File:Internet Explorer 10+11 logo.svg - Wikimedia Commons"/>
+              <p:cNvPicPr>
+                <a:picLocks noChangeAspect="1" noChangeArrowheads="1"/>
+              </p:cNvPicPr>
+              <p:nvPr/>
+            </p:nvPicPr>
+            <p:blipFill>
+              <a:blip r:embed="rId2" cstate="print">
+                <a:extLst>
+                  <a:ext uri="{28A0092B-C50C-407E-A947-70E740481C1C}">
+                    <a14:useLocalDpi xmlns:a14="http://schemas.microsoft.com/office/drawing/2010/main" val="0"/>
+                  </a:ext>
+                </a:extLst>
+              </a:blip>
+              <a:srcRect/>
+              <a:stretch>
+                <a:fillRect/>
+              </a:stretch>
+            </p:blipFill>
+            <p:spPr bwMode="auto">
+              <a:xfrm>
+                <a:off x="6797922" y="1998784"/>
+                <a:ext cx="556254" cy="546295"/>
+              </a:xfrm>
+              <a:prstGeom prst="rect">
+                <a:avLst/>
+              </a:prstGeom>
+              <a:noFill/>
+              <a:extLst>
+                <a:ext uri="{909E8E84-426E-40DD-AFC4-6F175D3DCCD1}">
+                  <a14:hiddenFill xmlns:a14="http://schemas.microsoft.com/office/drawing/2010/main">
+                    <a:solidFill>
+                      <a:srgbClr val="FFFFFF"/>
+                    </a:solidFill>
+                  </a14:hiddenFill>
+                </a:ext>
+              </a:extLst>
+            </p:spPr>
+          </p:pic>
+          <p:sp>
+            <p:nvSpPr>
+              <p:cNvPr id="26" name="Rectangle 25"/>
+              <p:cNvSpPr/>
+              <p:nvPr/>
+            </p:nvSpPr>
+            <p:spPr>
+              <a:xfrm>
+                <a:off x="6654018" y="1969477"/>
+                <a:ext cx="844062" cy="604911"/>
+              </a:xfrm>
+              <a:prstGeom prst="rect">
+                <a:avLst/>
+              </a:prstGeom>
+              <a:noFill/>
+              <a:ln>
+                <a:solidFill>
+                  <a:schemeClr val="tx1"/>
+                </a:solidFill>
+              </a:ln>
+            </p:spPr>
+            <p:style>
+              <a:lnRef idx="2">
+                <a:schemeClr val="accent1">
+                  <a:shade val="50000"/>
+                </a:schemeClr>
+              </a:lnRef>
+              <a:fillRef idx="1">
+                <a:schemeClr val="accent1"/>
+              </a:fillRef>
+              <a:effectRef idx="0">
+                <a:schemeClr val="accent1"/>
+              </a:effectRef>
+              <a:fontRef idx="minor">
+                <a:schemeClr val="lt1"/>
+              </a:fontRef>
+            </p:style>
+            <p:txBody>
+              <a:bodyPr rtlCol="0" anchor="ctr"/>
+              <a:lstStyle/>
+              <a:p>
+                <a:pPr algn="ctr"/>
+                <a:endParaRPr lang="en-US" dirty="0" smtClean="0"/>
+              </a:p>
+            </p:txBody>
+          </p:sp>
+          <p:sp>
+            <p:nvSpPr>
+              <p:cNvPr id="27" name="TextBox 26"/>
+              <p:cNvSpPr txBox="1"/>
+              <p:nvPr/>
+            </p:nvSpPr>
+            <p:spPr>
+              <a:xfrm>
+                <a:off x="6611814" y="2603695"/>
+                <a:ext cx="944489" cy="246221"/>
+              </a:xfrm>
+              <a:prstGeom prst="rect">
+                <a:avLst/>
+              </a:prstGeom>
+              <a:noFill/>
+            </p:spPr>
+            <p:txBody>
+              <a:bodyPr wrap="none" rtlCol="0">
+                <a:spAutoFit/>
+              </a:bodyPr>
+              <a:lstStyle/>
+              <a:p>
+                <a:r>
+                  <a:rPr lang="en-US" sz="1000" dirty="0" smtClean="0"/>
+                  <a:t>Client browser</a:t>
+                </a:r>
+                <a:endParaRPr lang="en-US" sz="1000" dirty="0"/>
+              </a:p>
+            </p:txBody>
+          </p:sp>
+        </p:grpSp>
+        <p:grpSp>
+          <p:nvGrpSpPr>
+            <p:cNvPr id="28" name="Group 27"/>
+            <p:cNvGrpSpPr/>
+            <p:nvPr/>
+          </p:nvGrpSpPr>
+          <p:grpSpPr>
+            <a:xfrm>
+              <a:off x="323338" y="4156727"/>
+              <a:ext cx="944489" cy="880439"/>
+              <a:chOff x="6611814" y="1969477"/>
+              <a:chExt cx="944489" cy="880439"/>
+            </a:xfrm>
+          </p:grpSpPr>
+          <p:pic>
+            <p:nvPicPr>
+              <p:cNvPr id="29" name="Picture 2" descr="File:Internet Explorer 10+11 logo.svg - Wikimedia Commons"/>
+              <p:cNvPicPr>
+                <a:picLocks noChangeAspect="1" noChangeArrowheads="1"/>
+              </p:cNvPicPr>
+              <p:nvPr/>
+            </p:nvPicPr>
+            <p:blipFill>
+              <a:blip r:embed="rId2" cstate="print">
+                <a:extLst>
+                  <a:ext uri="{28A0092B-C50C-407E-A947-70E740481C1C}">
+                    <a14:useLocalDpi xmlns:a14="http://schemas.microsoft.com/office/drawing/2010/main" val="0"/>
+                  </a:ext>
+                </a:extLst>
+              </a:blip>
+              <a:srcRect/>
+              <a:stretch>
+                <a:fillRect/>
+              </a:stretch>
+            </p:blipFill>
+            <p:spPr bwMode="auto">
+              <a:xfrm>
+                <a:off x="6797922" y="1998784"/>
+                <a:ext cx="556254" cy="546295"/>
+              </a:xfrm>
+              <a:prstGeom prst="rect">
+                <a:avLst/>
+              </a:prstGeom>
+              <a:noFill/>
+              <a:extLst>
+                <a:ext uri="{909E8E84-426E-40DD-AFC4-6F175D3DCCD1}">
+                  <a14:hiddenFill xmlns:a14="http://schemas.microsoft.com/office/drawing/2010/main">
+                    <a:solidFill>
+                      <a:srgbClr val="FFFFFF"/>
+                    </a:solidFill>
+                  </a14:hiddenFill>
+                </a:ext>
+              </a:extLst>
+            </p:spPr>
+          </p:pic>
+          <p:sp>
+            <p:nvSpPr>
+              <p:cNvPr id="30" name="Rectangle 29"/>
+              <p:cNvSpPr/>
+              <p:nvPr/>
+            </p:nvSpPr>
+            <p:spPr>
+              <a:xfrm>
+                <a:off x="6654018" y="1969477"/>
+                <a:ext cx="844062" cy="604911"/>
+              </a:xfrm>
+              <a:prstGeom prst="rect">
+                <a:avLst/>
+              </a:prstGeom>
+              <a:noFill/>
+              <a:ln>
+                <a:solidFill>
+                  <a:schemeClr val="tx1"/>
+                </a:solidFill>
+              </a:ln>
+            </p:spPr>
+            <p:style>
+              <a:lnRef idx="2">
+                <a:schemeClr val="accent1">
+                  <a:shade val="50000"/>
+                </a:schemeClr>
+              </a:lnRef>
+              <a:fillRef idx="1">
+                <a:schemeClr val="accent1"/>
+              </a:fillRef>
+              <a:effectRef idx="0">
+                <a:schemeClr val="accent1"/>
+              </a:effectRef>
+              <a:fontRef idx="minor">
+                <a:schemeClr val="lt1"/>
+              </a:fontRef>
+            </p:style>
+            <p:txBody>
+              <a:bodyPr rtlCol="0" anchor="ctr"/>
+              <a:lstStyle/>
+              <a:p>
+                <a:pPr algn="ctr"/>
+                <a:endParaRPr lang="en-US" dirty="0" smtClean="0"/>
+              </a:p>
+            </p:txBody>
+          </p:sp>
+          <p:sp>
+            <p:nvSpPr>
+              <p:cNvPr id="31" name="TextBox 30"/>
+              <p:cNvSpPr txBox="1"/>
+              <p:nvPr/>
+            </p:nvSpPr>
+            <p:spPr>
+              <a:xfrm>
+                <a:off x="6611814" y="2603695"/>
+                <a:ext cx="944489" cy="246221"/>
+              </a:xfrm>
+              <a:prstGeom prst="rect">
+                <a:avLst/>
+              </a:prstGeom>
+              <a:noFill/>
+            </p:spPr>
+            <p:txBody>
+              <a:bodyPr wrap="none" rtlCol="0">
+                <a:spAutoFit/>
+              </a:bodyPr>
+              <a:lstStyle/>
+              <a:p>
+                <a:r>
+                  <a:rPr lang="en-US" sz="1000" dirty="0" smtClean="0"/>
+                  <a:t>Client browser</a:t>
+                </a:r>
+                <a:endParaRPr lang="en-US" sz="1000" dirty="0"/>
+              </a:p>
+            </p:txBody>
+          </p:sp>
+        </p:grpSp>
+        <p:grpSp>
+          <p:nvGrpSpPr>
+            <p:cNvPr id="32" name="Group 31"/>
+            <p:cNvGrpSpPr/>
+            <p:nvPr/>
+          </p:nvGrpSpPr>
+          <p:grpSpPr>
+            <a:xfrm>
+              <a:off x="323338" y="5597693"/>
+              <a:ext cx="944489" cy="880439"/>
+              <a:chOff x="6611814" y="1969477"/>
+              <a:chExt cx="944489" cy="880439"/>
+            </a:xfrm>
+          </p:grpSpPr>
+          <p:pic>
+            <p:nvPicPr>
+              <p:cNvPr id="33" name="Picture 2" descr="File:Internet Explorer 10+11 logo.svg - Wikimedia Commons"/>
+              <p:cNvPicPr>
+                <a:picLocks noChangeAspect="1" noChangeArrowheads="1"/>
+              </p:cNvPicPr>
+              <p:nvPr/>
+            </p:nvPicPr>
+            <p:blipFill>
+              <a:blip r:embed="rId2" cstate="print">
+                <a:extLst>
+                  <a:ext uri="{28A0092B-C50C-407E-A947-70E740481C1C}">
+                    <a14:useLocalDpi xmlns:a14="http://schemas.microsoft.com/office/drawing/2010/main" val="0"/>
+                  </a:ext>
+                </a:extLst>
+              </a:blip>
+              <a:srcRect/>
+              <a:stretch>
+                <a:fillRect/>
+              </a:stretch>
+            </p:blipFill>
+            <p:spPr bwMode="auto">
+              <a:xfrm>
+                <a:off x="6797922" y="1998784"/>
+                <a:ext cx="556254" cy="546295"/>
+              </a:xfrm>
+              <a:prstGeom prst="rect">
+                <a:avLst/>
+              </a:prstGeom>
+              <a:noFill/>
+              <a:extLst>
+                <a:ext uri="{909E8E84-426E-40DD-AFC4-6F175D3DCCD1}">
+                  <a14:hiddenFill xmlns:a14="http://schemas.microsoft.com/office/drawing/2010/main">
+                    <a:solidFill>
+                      <a:srgbClr val="FFFFFF"/>
+                    </a:solidFill>
+                  </a14:hiddenFill>
+                </a:ext>
+              </a:extLst>
+            </p:spPr>
+          </p:pic>
+          <p:sp>
+            <p:nvSpPr>
+              <p:cNvPr id="34" name="Rectangle 33"/>
+              <p:cNvSpPr/>
+              <p:nvPr/>
+            </p:nvSpPr>
+            <p:spPr>
+              <a:xfrm>
+                <a:off x="6654018" y="1969477"/>
+                <a:ext cx="844062" cy="604911"/>
+              </a:xfrm>
+              <a:prstGeom prst="rect">
+                <a:avLst/>
+              </a:prstGeom>
+              <a:noFill/>
+              <a:ln>
+                <a:solidFill>
+                  <a:schemeClr val="tx1"/>
+                </a:solidFill>
+              </a:ln>
+            </p:spPr>
+            <p:style>
+              <a:lnRef idx="2">
+                <a:schemeClr val="accent1">
+                  <a:shade val="50000"/>
+                </a:schemeClr>
+              </a:lnRef>
+              <a:fillRef idx="1">
+                <a:schemeClr val="accent1"/>
+              </a:fillRef>
+              <a:effectRef idx="0">
+                <a:schemeClr val="accent1"/>
+              </a:effectRef>
+              <a:fontRef idx="minor">
+                <a:schemeClr val="lt1"/>
+              </a:fontRef>
+            </p:style>
+            <p:txBody>
+              <a:bodyPr rtlCol="0" anchor="ctr"/>
+              <a:lstStyle/>
+              <a:p>
+                <a:pPr algn="ctr"/>
+                <a:endParaRPr lang="en-US" dirty="0" smtClean="0"/>
+              </a:p>
+            </p:txBody>
+          </p:sp>
+          <p:sp>
+            <p:nvSpPr>
+              <p:cNvPr id="35" name="TextBox 34"/>
+              <p:cNvSpPr txBox="1"/>
+              <p:nvPr/>
+            </p:nvSpPr>
+            <p:spPr>
+              <a:xfrm>
+                <a:off x="6611814" y="2603695"/>
+                <a:ext cx="944489" cy="246221"/>
+              </a:xfrm>
+              <a:prstGeom prst="rect">
+                <a:avLst/>
+              </a:prstGeom>
+              <a:noFill/>
+            </p:spPr>
+            <p:txBody>
+              <a:bodyPr wrap="none" rtlCol="0">
+                <a:spAutoFit/>
+              </a:bodyPr>
+              <a:lstStyle/>
+              <a:p>
+                <a:r>
+                  <a:rPr lang="en-US" sz="1000" dirty="0" smtClean="0"/>
+                  <a:t>Client browser</a:t>
+                </a:r>
+                <a:endParaRPr lang="en-US" sz="1000" dirty="0"/>
+              </a:p>
+            </p:txBody>
+          </p:sp>
+        </p:grpSp>
+      </p:grpSp>
+      <p:grpSp>
+        <p:nvGrpSpPr>
+          <p:cNvPr id="36" name="Group 35"/>
+          <p:cNvGrpSpPr/>
+          <p:nvPr/>
+        </p:nvGrpSpPr>
+        <p:grpSpPr>
+          <a:xfrm>
+            <a:off x="6331527" y="765410"/>
+            <a:ext cx="5611944" cy="5860473"/>
+            <a:chOff x="6331527" y="765410"/>
+            <a:chExt cx="5611944" cy="5860473"/>
+          </a:xfrm>
+        </p:grpSpPr>
+        <p:sp>
+          <p:nvSpPr>
+            <p:cNvPr id="13" name="Rectangle 12"/>
+            <p:cNvSpPr/>
+            <p:nvPr/>
+          </p:nvSpPr>
+          <p:spPr>
+            <a:xfrm>
+              <a:off x="6331527" y="765410"/>
+              <a:ext cx="5611944" cy="5860473"/>
+            </a:xfrm>
+            <a:prstGeom prst="rect">
+              <a:avLst/>
+            </a:prstGeom>
+            <a:noFill/>
+            <a:ln cmpd="sng">
+              <a:prstDash val="lgDashDotDot"/>
+            </a:ln>
+          </p:spPr>
+          <p:style>
+            <a:lnRef idx="2">
+              <a:schemeClr val="accent1">
+                <a:shade val="50000"/>
+              </a:schemeClr>
+            </a:lnRef>
+            <a:fillRef idx="1">
+              <a:schemeClr val="accent1"/>
+            </a:fillRef>
+            <a:effectRef idx="0">
+              <a:schemeClr val="accent1"/>
+            </a:effectRef>
+            <a:fontRef idx="minor">
+              <a:schemeClr val="lt1"/>
+            </a:fontRef>
+          </p:style>
+          <p:txBody>
+            <a:bodyPr rtlCol="0" anchor="t"/>
+            <a:lstStyle/>
+            <a:p>
+              <a:pPr algn="ctr"/>
+              <a:r>
+                <a:rPr lang="en-US" b="1" dirty="0" smtClean="0">
+                  <a:solidFill>
+                    <a:schemeClr val="tx1"/>
+                  </a:solidFill>
+                </a:rPr>
+                <a:t>Asp.net Core Web Application</a:t>
+              </a:r>
+              <a:endParaRPr lang="en-US" b="1" dirty="0" smtClean="0">
+                <a:solidFill>
+                  <a:schemeClr val="tx1"/>
+                </a:solidFill>
+              </a:endParaRPr>
+            </a:p>
+          </p:txBody>
+        </p:sp>
+        <p:sp>
+          <p:nvSpPr>
+            <p:cNvPr id="37" name="Rectangle 36"/>
+            <p:cNvSpPr/>
+            <p:nvPr/>
+          </p:nvSpPr>
+          <p:spPr>
+            <a:xfrm>
+              <a:off x="6591513" y="1163782"/>
+              <a:ext cx="5091971" cy="5314350"/>
+            </a:xfrm>
+            <a:prstGeom prst="rect">
+              <a:avLst/>
+            </a:prstGeom>
+            <a:noFill/>
+            <a:ln cmpd="sng">
+              <a:prstDash val="lgDashDotDot"/>
+            </a:ln>
+          </p:spPr>
+          <p:style>
+            <a:lnRef idx="2">
+              <a:schemeClr val="accent1">
+                <a:shade val="50000"/>
+              </a:schemeClr>
+            </a:lnRef>
+            <a:fillRef idx="1">
+              <a:schemeClr val="accent1"/>
+            </a:fillRef>
+            <a:effectRef idx="0">
+              <a:schemeClr val="accent1"/>
+            </a:effectRef>
+            <a:fontRef idx="minor">
+              <a:schemeClr val="lt1"/>
+            </a:fontRef>
+          </p:style>
+          <p:txBody>
+            <a:bodyPr rtlCol="0" anchor="t"/>
+            <a:lstStyle/>
+            <a:p>
+              <a:pPr algn="ctr"/>
+              <a:r>
+                <a:rPr lang="en-US" dirty="0" smtClean="0">
+                  <a:solidFill>
+                    <a:schemeClr val="tx1"/>
+                  </a:solidFill>
+                </a:rPr>
+                <a:t>Identity based Authentication </a:t>
+              </a:r>
+            </a:p>
+            <a:p>
+              <a:pPr algn="ctr"/>
+              <a:r>
+                <a:rPr lang="en-US" dirty="0" smtClean="0">
+                  <a:solidFill>
+                    <a:schemeClr val="tx1"/>
+                  </a:solidFill>
+                </a:rPr>
+                <a:t>&amp; </a:t>
+              </a:r>
+            </a:p>
+            <a:p>
+              <a:pPr algn="ctr"/>
+              <a:r>
+                <a:rPr lang="en-US" dirty="0" smtClean="0">
+                  <a:solidFill>
+                    <a:schemeClr val="tx1"/>
+                  </a:solidFill>
+                </a:rPr>
+                <a:t>Policy based Authorization</a:t>
+              </a:r>
+              <a:endParaRPr lang="en-US" dirty="0" smtClean="0">
+                <a:solidFill>
+                  <a:schemeClr val="tx1"/>
+                </a:solidFill>
+              </a:endParaRPr>
+            </a:p>
+          </p:txBody>
+        </p:sp>
+        <p:sp>
+          <p:nvSpPr>
+            <p:cNvPr id="38" name="Rectangle 37"/>
+            <p:cNvSpPr/>
+            <p:nvPr/>
+          </p:nvSpPr>
+          <p:spPr>
+            <a:xfrm>
+              <a:off x="6851498" y="2081850"/>
+              <a:ext cx="4572000" cy="4268674"/>
+            </a:xfrm>
+            <a:prstGeom prst="rect">
+              <a:avLst/>
+            </a:prstGeom>
+            <a:noFill/>
+            <a:ln cmpd="sng">
+              <a:prstDash val="lgDashDotDot"/>
+            </a:ln>
+          </p:spPr>
+          <p:style>
+            <a:lnRef idx="2">
+              <a:schemeClr val="accent1">
+                <a:shade val="50000"/>
+              </a:schemeClr>
+            </a:lnRef>
+            <a:fillRef idx="1">
+              <a:schemeClr val="accent1"/>
+            </a:fillRef>
+            <a:effectRef idx="0">
+              <a:schemeClr val="accent1"/>
+            </a:effectRef>
+            <a:fontRef idx="minor">
+              <a:schemeClr val="lt1"/>
+            </a:fontRef>
+          </p:style>
+          <p:txBody>
+            <a:bodyPr rtlCol="0" anchor="t"/>
+            <a:lstStyle/>
+            <a:p>
+              <a:pPr algn="ctr"/>
+              <a:endParaRPr lang="en-US" dirty="0" smtClean="0">
+                <a:solidFill>
+                  <a:schemeClr val="tx1"/>
+                </a:solidFill>
+              </a:endParaRPr>
+            </a:p>
+          </p:txBody>
+        </p:sp>
+        <p:sp>
+          <p:nvSpPr>
+            <p:cNvPr id="17" name="Rectangle 16"/>
+            <p:cNvSpPr/>
+            <p:nvPr/>
+          </p:nvSpPr>
+          <p:spPr>
+            <a:xfrm>
+              <a:off x="7280776" y="2175925"/>
+              <a:ext cx="3851564" cy="579814"/>
+            </a:xfrm>
+            <a:prstGeom prst="rect">
+              <a:avLst/>
+            </a:prstGeom>
+            <a:solidFill>
+              <a:schemeClr val="bg1">
+                <a:lumMod val="85000"/>
+              </a:schemeClr>
+            </a:solidFill>
+            <a:ln>
+              <a:solidFill>
+                <a:schemeClr val="bg1">
+                  <a:lumMod val="85000"/>
+                </a:schemeClr>
+              </a:solidFill>
+            </a:ln>
+          </p:spPr>
+          <p:style>
+            <a:lnRef idx="2">
+              <a:schemeClr val="accent1">
+                <a:shade val="50000"/>
+              </a:schemeClr>
+            </a:lnRef>
+            <a:fillRef idx="1">
+              <a:schemeClr val="accent1"/>
+            </a:fillRef>
+            <a:effectRef idx="0">
+              <a:schemeClr val="accent1"/>
+            </a:effectRef>
+            <a:fontRef idx="minor">
+              <a:schemeClr val="lt1"/>
+            </a:fontRef>
+          </p:style>
+          <p:txBody>
+            <a:bodyPr rtlCol="0" anchor="ctr"/>
+            <a:lstStyle/>
+            <a:p>
+              <a:pPr algn="ctr"/>
+              <a:r>
+                <a:rPr lang="en-US" dirty="0" smtClean="0">
+                  <a:solidFill>
+                    <a:schemeClr val="tx1"/>
+                  </a:solidFill>
+                </a:rPr>
+                <a:t>Health Check Provider</a:t>
+              </a:r>
+              <a:endParaRPr lang="en-US" dirty="0" smtClean="0">
+                <a:solidFill>
+                  <a:schemeClr val="tx1"/>
+                </a:solidFill>
+              </a:endParaRPr>
+            </a:p>
+          </p:txBody>
+        </p:sp>
+        <p:sp>
+          <p:nvSpPr>
+            <p:cNvPr id="41" name="Rectangle 40"/>
+            <p:cNvSpPr/>
+            <p:nvPr/>
+          </p:nvSpPr>
+          <p:spPr>
+            <a:xfrm>
+              <a:off x="7280776" y="4250311"/>
+              <a:ext cx="3851564" cy="579814"/>
+            </a:xfrm>
+            <a:prstGeom prst="rect">
+              <a:avLst/>
+            </a:prstGeom>
+            <a:solidFill>
+              <a:schemeClr val="bg1">
+                <a:lumMod val="85000"/>
+              </a:schemeClr>
+            </a:solidFill>
+            <a:ln>
+              <a:solidFill>
+                <a:schemeClr val="bg1">
+                  <a:lumMod val="85000"/>
+                </a:schemeClr>
+              </a:solidFill>
+            </a:ln>
+          </p:spPr>
+          <p:style>
+            <a:lnRef idx="2">
+              <a:schemeClr val="accent1">
+                <a:shade val="50000"/>
+              </a:schemeClr>
+            </a:lnRef>
+            <a:fillRef idx="1">
+              <a:schemeClr val="accent1"/>
+            </a:fillRef>
+            <a:effectRef idx="0">
+              <a:schemeClr val="accent1"/>
+            </a:effectRef>
+            <a:fontRef idx="minor">
+              <a:schemeClr val="lt1"/>
+            </a:fontRef>
+          </p:style>
+          <p:txBody>
+            <a:bodyPr rtlCol="0" anchor="ctr"/>
+            <a:lstStyle/>
+            <a:p>
+              <a:pPr algn="ctr"/>
+              <a:r>
+                <a:rPr lang="en-US" dirty="0" smtClean="0">
+                  <a:solidFill>
+                    <a:schemeClr val="tx1"/>
+                  </a:solidFill>
+                </a:rPr>
+                <a:t>Logging –  </a:t>
+              </a:r>
+              <a:r>
+                <a:rPr lang="en-US" dirty="0">
+                  <a:solidFill>
+                    <a:schemeClr val="tx1"/>
+                  </a:solidFill>
+                </a:rPr>
+                <a:t>Nlog</a:t>
+              </a:r>
+              <a:endParaRPr lang="en-US" dirty="0" smtClean="0">
+                <a:solidFill>
+                  <a:schemeClr val="tx1"/>
+                </a:solidFill>
+              </a:endParaRPr>
+            </a:p>
+          </p:txBody>
+        </p:sp>
+        <p:sp>
+          <p:nvSpPr>
+            <p:cNvPr id="42" name="Rectangle 41"/>
+            <p:cNvSpPr/>
+            <p:nvPr/>
+          </p:nvSpPr>
+          <p:spPr>
+            <a:xfrm>
+              <a:off x="7280776" y="4941773"/>
+              <a:ext cx="3851564" cy="579814"/>
+            </a:xfrm>
+            <a:prstGeom prst="rect">
+              <a:avLst/>
+            </a:prstGeom>
+            <a:solidFill>
+              <a:schemeClr val="bg1">
+                <a:lumMod val="85000"/>
+              </a:schemeClr>
+            </a:solidFill>
+            <a:ln>
+              <a:solidFill>
+                <a:schemeClr val="bg1">
+                  <a:lumMod val="85000"/>
+                </a:schemeClr>
+              </a:solidFill>
+            </a:ln>
+          </p:spPr>
+          <p:style>
+            <a:lnRef idx="2">
+              <a:schemeClr val="accent1">
+                <a:shade val="50000"/>
+              </a:schemeClr>
+            </a:lnRef>
+            <a:fillRef idx="1">
+              <a:schemeClr val="accent1"/>
+            </a:fillRef>
+            <a:effectRef idx="0">
+              <a:schemeClr val="accent1"/>
+            </a:effectRef>
+            <a:fontRef idx="minor">
+              <a:schemeClr val="lt1"/>
+            </a:fontRef>
+          </p:style>
+          <p:txBody>
+            <a:bodyPr rtlCol="0" anchor="ctr"/>
+            <a:lstStyle/>
+            <a:p>
+              <a:pPr algn="ctr"/>
+              <a:r>
+                <a:rPr lang="en-US" dirty="0" smtClean="0">
+                  <a:solidFill>
+                    <a:schemeClr val="tx1"/>
+                  </a:solidFill>
+                </a:rPr>
+                <a:t>EF Core Code </a:t>
+              </a:r>
+              <a:r>
+                <a:rPr lang="en-US" dirty="0" smtClean="0">
+                  <a:solidFill>
+                    <a:schemeClr val="tx1"/>
+                  </a:solidFill>
+                </a:rPr>
+                <a:t>First </a:t>
+              </a:r>
+              <a:r>
+                <a:rPr lang="en-US" dirty="0" smtClean="0">
+                  <a:solidFill>
+                    <a:schemeClr val="tx1"/>
+                  </a:solidFill>
+                </a:rPr>
+                <a:t>DbContext</a:t>
+              </a:r>
+              <a:endParaRPr lang="en-US" dirty="0" smtClean="0">
+                <a:solidFill>
+                  <a:schemeClr val="tx1"/>
+                </a:solidFill>
+              </a:endParaRPr>
+            </a:p>
+          </p:txBody>
+        </p:sp>
+        <p:sp>
+          <p:nvSpPr>
+            <p:cNvPr id="43" name="Rectangle 42"/>
+            <p:cNvSpPr/>
+            <p:nvPr/>
+          </p:nvSpPr>
+          <p:spPr>
+            <a:xfrm>
+              <a:off x="7280776" y="5633233"/>
+              <a:ext cx="3851564" cy="579814"/>
+            </a:xfrm>
+            <a:prstGeom prst="rect">
+              <a:avLst/>
+            </a:prstGeom>
+            <a:solidFill>
+              <a:schemeClr val="bg1">
+                <a:lumMod val="85000"/>
+              </a:schemeClr>
+            </a:solidFill>
+            <a:ln>
+              <a:solidFill>
+                <a:schemeClr val="bg1">
+                  <a:lumMod val="85000"/>
+                </a:schemeClr>
+              </a:solidFill>
+            </a:ln>
+          </p:spPr>
+          <p:style>
+            <a:lnRef idx="2">
+              <a:schemeClr val="accent1">
+                <a:shade val="50000"/>
+              </a:schemeClr>
+            </a:lnRef>
+            <a:fillRef idx="1">
+              <a:schemeClr val="accent1"/>
+            </a:fillRef>
+            <a:effectRef idx="0">
+              <a:schemeClr val="accent1"/>
+            </a:effectRef>
+            <a:fontRef idx="minor">
+              <a:schemeClr val="lt1"/>
+            </a:fontRef>
+          </p:style>
+          <p:txBody>
+            <a:bodyPr rtlCol="0" anchor="ctr"/>
+            <a:lstStyle/>
+            <a:p>
+              <a:pPr algn="ctr"/>
+              <a:r>
+                <a:rPr lang="en-US" dirty="0" smtClean="0">
+                  <a:solidFill>
+                    <a:schemeClr val="tx1"/>
+                  </a:solidFill>
+                </a:rPr>
+                <a:t>Unit Testing</a:t>
+              </a:r>
+              <a:endParaRPr lang="en-US" dirty="0" smtClean="0">
+                <a:solidFill>
+                  <a:schemeClr val="tx1"/>
+                </a:solidFill>
+              </a:endParaRPr>
+            </a:p>
+          </p:txBody>
+        </p:sp>
+        <p:sp>
+          <p:nvSpPr>
+            <p:cNvPr id="44" name="Rectangle 43"/>
+            <p:cNvSpPr/>
+            <p:nvPr/>
+          </p:nvSpPr>
+          <p:spPr>
+            <a:xfrm>
+              <a:off x="7280776" y="2867387"/>
+              <a:ext cx="3851564" cy="579814"/>
+            </a:xfrm>
+            <a:prstGeom prst="rect">
+              <a:avLst/>
+            </a:prstGeom>
+            <a:solidFill>
+              <a:schemeClr val="bg1">
+                <a:lumMod val="85000"/>
+              </a:schemeClr>
+            </a:solidFill>
+            <a:ln>
+              <a:solidFill>
+                <a:schemeClr val="bg1">
+                  <a:lumMod val="85000"/>
+                </a:schemeClr>
+              </a:solidFill>
+            </a:ln>
+          </p:spPr>
+          <p:style>
+            <a:lnRef idx="2">
+              <a:schemeClr val="accent1">
+                <a:shade val="50000"/>
+              </a:schemeClr>
+            </a:lnRef>
+            <a:fillRef idx="1">
+              <a:schemeClr val="accent1"/>
+            </a:fillRef>
+            <a:effectRef idx="0">
+              <a:schemeClr val="accent1"/>
+            </a:effectRef>
+            <a:fontRef idx="minor">
+              <a:schemeClr val="lt1"/>
+            </a:fontRef>
+          </p:style>
+          <p:txBody>
+            <a:bodyPr rtlCol="0" anchor="ctr"/>
+            <a:lstStyle/>
+            <a:p>
+              <a:pPr algn="ctr"/>
+              <a:r>
+                <a:rPr lang="en-US" dirty="0" smtClean="0">
+                  <a:solidFill>
+                    <a:schemeClr val="tx1"/>
+                  </a:solidFill>
+                </a:rPr>
+                <a:t>Swagger Documentation</a:t>
+              </a:r>
+              <a:endParaRPr lang="en-US" dirty="0" smtClean="0">
+                <a:solidFill>
+                  <a:schemeClr val="tx1"/>
+                </a:solidFill>
+              </a:endParaRPr>
+            </a:p>
+          </p:txBody>
+        </p:sp>
+        <p:sp>
+          <p:nvSpPr>
+            <p:cNvPr id="45" name="Rectangle 44"/>
+            <p:cNvSpPr/>
+            <p:nvPr/>
+          </p:nvSpPr>
+          <p:spPr>
+            <a:xfrm>
+              <a:off x="7280776" y="3558849"/>
+              <a:ext cx="3851564" cy="579814"/>
+            </a:xfrm>
+            <a:prstGeom prst="rect">
+              <a:avLst/>
+            </a:prstGeom>
+            <a:solidFill>
+              <a:schemeClr val="bg1">
+                <a:lumMod val="85000"/>
+              </a:schemeClr>
+            </a:solidFill>
+            <a:ln>
+              <a:solidFill>
+                <a:schemeClr val="bg1">
+                  <a:lumMod val="85000"/>
+                </a:schemeClr>
+              </a:solidFill>
+            </a:ln>
+          </p:spPr>
+          <p:style>
+            <a:lnRef idx="2">
+              <a:schemeClr val="accent1">
+                <a:shade val="50000"/>
+              </a:schemeClr>
+            </a:lnRef>
+            <a:fillRef idx="1">
+              <a:schemeClr val="accent1"/>
+            </a:fillRef>
+            <a:effectRef idx="0">
+              <a:schemeClr val="accent1"/>
+            </a:effectRef>
+            <a:fontRef idx="minor">
+              <a:schemeClr val="lt1"/>
+            </a:fontRef>
+          </p:style>
+          <p:txBody>
+            <a:bodyPr rtlCol="0" anchor="ctr"/>
+            <a:lstStyle/>
+            <a:p>
+              <a:pPr algn="ctr"/>
+              <a:r>
+                <a:rPr lang="en-US" dirty="0">
+                  <a:solidFill>
+                    <a:schemeClr val="tx1"/>
+                  </a:solidFill>
+                </a:rPr>
+                <a:t>Model Validation Filter</a:t>
+              </a:r>
+              <a:endParaRPr lang="en-US" dirty="0" smtClean="0">
+                <a:solidFill>
+                  <a:schemeClr val="tx1"/>
+                </a:solidFill>
+              </a:endParaRPr>
+            </a:p>
+          </p:txBody>
+        </p:sp>
+      </p:grpSp>
+      <p:grpSp>
+        <p:nvGrpSpPr>
+          <p:cNvPr id="40" name="Group 39"/>
+          <p:cNvGrpSpPr/>
+          <p:nvPr/>
+        </p:nvGrpSpPr>
+        <p:grpSpPr>
+          <a:xfrm>
+            <a:off x="2507339" y="765410"/>
+            <a:ext cx="2681416" cy="2920325"/>
+            <a:chOff x="2507339" y="765410"/>
+            <a:chExt cx="2681416" cy="2920325"/>
+          </a:xfrm>
+        </p:grpSpPr>
+        <p:sp>
+          <p:nvSpPr>
+            <p:cNvPr id="12" name="Rectangle 11"/>
+            <p:cNvSpPr/>
+            <p:nvPr/>
+          </p:nvSpPr>
+          <p:spPr>
+            <a:xfrm>
+              <a:off x="2507339" y="765410"/>
+              <a:ext cx="2681416" cy="2920325"/>
+            </a:xfrm>
+            <a:prstGeom prst="rect">
+              <a:avLst/>
+            </a:prstGeom>
+            <a:noFill/>
+            <a:ln cmpd="sng">
+              <a:prstDash val="lgDashDotDot"/>
+            </a:ln>
+          </p:spPr>
+          <p:style>
+            <a:lnRef idx="2">
+              <a:schemeClr val="accent1">
+                <a:shade val="50000"/>
+              </a:schemeClr>
+            </a:lnRef>
+            <a:fillRef idx="1">
+              <a:schemeClr val="accent1"/>
+            </a:fillRef>
+            <a:effectRef idx="0">
+              <a:schemeClr val="accent1"/>
+            </a:effectRef>
+            <a:fontRef idx="minor">
+              <a:schemeClr val="lt1"/>
+            </a:fontRef>
+          </p:style>
+          <p:txBody>
+            <a:bodyPr rtlCol="0" anchor="t"/>
+            <a:lstStyle/>
+            <a:p>
+              <a:pPr algn="ctr"/>
+              <a:r>
+                <a:rPr lang="en-US" b="1" dirty="0" smtClean="0">
+                  <a:solidFill>
+                    <a:schemeClr val="tx1"/>
+                  </a:solidFill>
+                </a:rPr>
+                <a:t>IIS</a:t>
+              </a:r>
+              <a:endParaRPr lang="en-US" b="1" dirty="0" smtClean="0">
+                <a:solidFill>
+                  <a:schemeClr val="tx1"/>
+                </a:solidFill>
+              </a:endParaRPr>
+            </a:p>
+          </p:txBody>
+        </p:sp>
+        <p:sp>
+          <p:nvSpPr>
+            <p:cNvPr id="46" name="Rectangle 45"/>
+            <p:cNvSpPr/>
+            <p:nvPr/>
+          </p:nvSpPr>
+          <p:spPr>
+            <a:xfrm>
+              <a:off x="2750187" y="1345665"/>
+              <a:ext cx="2195720" cy="579814"/>
+            </a:xfrm>
+            <a:prstGeom prst="rect">
+              <a:avLst/>
+            </a:prstGeom>
+            <a:solidFill>
+              <a:schemeClr val="bg1">
+                <a:lumMod val="85000"/>
+              </a:schemeClr>
+            </a:solidFill>
+            <a:ln>
+              <a:solidFill>
+                <a:schemeClr val="bg1">
+                  <a:lumMod val="85000"/>
+                </a:schemeClr>
+              </a:solidFill>
+            </a:ln>
+          </p:spPr>
+          <p:style>
+            <a:lnRef idx="2">
+              <a:schemeClr val="accent1">
+                <a:shade val="50000"/>
+              </a:schemeClr>
+            </a:lnRef>
+            <a:fillRef idx="1">
+              <a:schemeClr val="accent1"/>
+            </a:fillRef>
+            <a:effectRef idx="0">
+              <a:schemeClr val="accent1"/>
+            </a:effectRef>
+            <a:fontRef idx="minor">
+              <a:schemeClr val="lt1"/>
+            </a:fontRef>
+          </p:style>
+          <p:txBody>
+            <a:bodyPr rtlCol="0" anchor="ctr"/>
+            <a:lstStyle/>
+            <a:p>
+              <a:pPr algn="ctr"/>
+              <a:r>
+                <a:rPr lang="en-US" dirty="0" smtClean="0">
+                  <a:solidFill>
+                    <a:schemeClr val="tx1"/>
+                  </a:solidFill>
+                </a:rPr>
+                <a:t>Angular Client Application</a:t>
+              </a:r>
+              <a:endParaRPr lang="en-US" dirty="0" smtClean="0">
+                <a:solidFill>
+                  <a:schemeClr val="tx1"/>
+                </a:solidFill>
+              </a:endParaRPr>
+            </a:p>
+          </p:txBody>
+        </p:sp>
+        <p:sp>
+          <p:nvSpPr>
+            <p:cNvPr id="50" name="Rectangle 49"/>
+            <p:cNvSpPr/>
+            <p:nvPr/>
+          </p:nvSpPr>
+          <p:spPr>
+            <a:xfrm>
+              <a:off x="2659739" y="1163782"/>
+              <a:ext cx="2369461" cy="2395066"/>
+            </a:xfrm>
+            <a:prstGeom prst="rect">
+              <a:avLst/>
+            </a:prstGeom>
+            <a:noFill/>
+            <a:ln cmpd="sng">
+              <a:prstDash val="lgDashDotDot"/>
+            </a:ln>
+          </p:spPr>
+          <p:style>
+            <a:lnRef idx="2">
+              <a:schemeClr val="accent1">
+                <a:shade val="50000"/>
+              </a:schemeClr>
+            </a:lnRef>
+            <a:fillRef idx="1">
+              <a:schemeClr val="accent1"/>
+            </a:fillRef>
+            <a:effectRef idx="0">
+              <a:schemeClr val="accent1"/>
+            </a:effectRef>
+            <a:fontRef idx="minor">
+              <a:schemeClr val="lt1"/>
+            </a:fontRef>
+          </p:style>
+          <p:txBody>
+            <a:bodyPr rtlCol="0" anchor="t"/>
+            <a:lstStyle/>
+            <a:p>
+              <a:pPr algn="ctr"/>
+              <a:endParaRPr lang="en-US" b="1" dirty="0" smtClean="0">
+                <a:solidFill>
+                  <a:schemeClr val="tx1"/>
+                </a:solidFill>
+              </a:endParaRPr>
+            </a:p>
+          </p:txBody>
+        </p:sp>
+        <p:sp>
+          <p:nvSpPr>
+            <p:cNvPr id="51" name="Rectangle 50"/>
+            <p:cNvSpPr/>
+            <p:nvPr/>
+          </p:nvSpPr>
+          <p:spPr>
+            <a:xfrm>
+              <a:off x="2746609" y="2711548"/>
+              <a:ext cx="2195720" cy="579814"/>
+            </a:xfrm>
+            <a:prstGeom prst="rect">
+              <a:avLst/>
+            </a:prstGeom>
+            <a:solidFill>
+              <a:schemeClr val="bg1">
+                <a:lumMod val="85000"/>
+              </a:schemeClr>
+            </a:solidFill>
+            <a:ln>
+              <a:solidFill>
+                <a:schemeClr val="bg1">
+                  <a:lumMod val="85000"/>
+                </a:schemeClr>
+              </a:solidFill>
+            </a:ln>
+          </p:spPr>
+          <p:style>
+            <a:lnRef idx="2">
+              <a:schemeClr val="accent1">
+                <a:shade val="50000"/>
+              </a:schemeClr>
+            </a:lnRef>
+            <a:fillRef idx="1">
+              <a:schemeClr val="accent1"/>
+            </a:fillRef>
+            <a:effectRef idx="0">
+              <a:schemeClr val="accent1"/>
+            </a:effectRef>
+            <a:fontRef idx="minor">
+              <a:schemeClr val="lt1"/>
+            </a:fontRef>
+          </p:style>
+          <p:txBody>
+            <a:bodyPr rtlCol="0" anchor="ctr"/>
+            <a:lstStyle/>
+            <a:p>
+              <a:pPr algn="ctr"/>
+              <a:r>
+                <a:rPr lang="en-US" dirty="0" smtClean="0">
+                  <a:solidFill>
+                    <a:schemeClr val="tx1"/>
+                  </a:solidFill>
+                </a:rPr>
+                <a:t>Asp.net Core Web Application</a:t>
+              </a:r>
+              <a:endParaRPr lang="en-US" dirty="0" smtClean="0">
+                <a:solidFill>
+                  <a:schemeClr val="tx1"/>
+                </a:solidFill>
+              </a:endParaRPr>
+            </a:p>
+          </p:txBody>
+        </p:sp>
+      </p:grpSp>
+      <p:grpSp>
+        <p:nvGrpSpPr>
+          <p:cNvPr id="47" name="Group 46"/>
+          <p:cNvGrpSpPr/>
+          <p:nvPr/>
+        </p:nvGrpSpPr>
+        <p:grpSpPr>
+          <a:xfrm>
+            <a:off x="2507339" y="3937675"/>
+            <a:ext cx="2681416" cy="2688208"/>
+            <a:chOff x="2507339" y="3937675"/>
+            <a:chExt cx="2681416" cy="2688208"/>
+          </a:xfrm>
+        </p:grpSpPr>
+        <p:sp>
+          <p:nvSpPr>
+            <p:cNvPr id="14" name="Rectangle 13"/>
+            <p:cNvSpPr/>
+            <p:nvPr/>
+          </p:nvSpPr>
+          <p:spPr>
+            <a:xfrm>
+              <a:off x="2507339" y="3937675"/>
+              <a:ext cx="2681416" cy="2688208"/>
+            </a:xfrm>
+            <a:prstGeom prst="rect">
+              <a:avLst/>
+            </a:prstGeom>
+            <a:noFill/>
+            <a:ln cmpd="sng">
+              <a:prstDash val="lgDashDotDot"/>
+            </a:ln>
+          </p:spPr>
+          <p:style>
+            <a:lnRef idx="2">
+              <a:schemeClr val="accent1">
+                <a:shade val="50000"/>
+              </a:schemeClr>
+            </a:lnRef>
+            <a:fillRef idx="1">
+              <a:schemeClr val="accent1"/>
+            </a:fillRef>
+            <a:effectRef idx="0">
+              <a:schemeClr val="accent1"/>
+            </a:effectRef>
+            <a:fontRef idx="minor">
+              <a:schemeClr val="lt1"/>
+            </a:fontRef>
+          </p:style>
+          <p:txBody>
+            <a:bodyPr rtlCol="0" anchor="t"/>
+            <a:lstStyle/>
+            <a:p>
+              <a:pPr algn="ctr"/>
+              <a:r>
+                <a:rPr lang="en-US" b="1" dirty="0" smtClean="0">
+                  <a:solidFill>
+                    <a:schemeClr val="tx1"/>
+                  </a:solidFill>
+                </a:rPr>
+                <a:t>Database Server</a:t>
+              </a:r>
+              <a:endParaRPr lang="en-US" b="1" dirty="0" smtClean="0">
+                <a:solidFill>
+                  <a:schemeClr val="tx1"/>
+                </a:solidFill>
+              </a:endParaRPr>
+            </a:p>
+          </p:txBody>
+        </p:sp>
+        <p:sp>
+          <p:nvSpPr>
+            <p:cNvPr id="16" name="Flowchart: Magnetic Disk 15"/>
+            <p:cNvSpPr/>
+            <p:nvPr/>
+          </p:nvSpPr>
+          <p:spPr>
+            <a:xfrm>
+              <a:off x="2951017" y="4457949"/>
+              <a:ext cx="1811429" cy="1948861"/>
+            </a:xfrm>
+            <a:prstGeom prst="flowChartMagneticDisk">
+              <a:avLst/>
+            </a:prstGeom>
+            <a:noFill/>
+          </p:spPr>
+          <p:style>
+            <a:lnRef idx="2">
+              <a:schemeClr val="accent1">
+                <a:shade val="50000"/>
+              </a:schemeClr>
+            </a:lnRef>
+            <a:fillRef idx="1">
+              <a:schemeClr val="accent1"/>
+            </a:fillRef>
+            <a:effectRef idx="0">
+              <a:schemeClr val="accent1"/>
+            </a:effectRef>
+            <a:fontRef idx="minor">
+              <a:schemeClr val="lt1"/>
+            </a:fontRef>
+          </p:style>
+          <p:txBody>
+            <a:bodyPr rtlCol="0" anchor="ctr"/>
+            <a:lstStyle/>
+            <a:p>
+              <a:pPr algn="ctr"/>
+              <a:r>
+                <a:rPr lang="en-US" sz="1600" dirty="0" smtClean="0">
+                  <a:solidFill>
+                    <a:schemeClr val="tx1"/>
+                  </a:solidFill>
+                </a:rPr>
+                <a:t>SQL Database Server </a:t>
+              </a:r>
+            </a:p>
+            <a:p>
+              <a:pPr algn="ctr"/>
+              <a:r>
+                <a:rPr lang="en-US" sz="1600" dirty="0" smtClean="0">
+                  <a:solidFill>
+                    <a:schemeClr val="tx1"/>
+                  </a:solidFill>
+                </a:rPr>
+                <a:t>2016</a:t>
+              </a:r>
+              <a:endParaRPr lang="en-US" sz="1600" dirty="0" smtClean="0">
+                <a:solidFill>
+                  <a:schemeClr val="tx1"/>
+                </a:solidFill>
+              </a:endParaRPr>
+            </a:p>
+          </p:txBody>
+        </p:sp>
+        <p:sp>
+          <p:nvSpPr>
+            <p:cNvPr id="53" name="Rectangle 52"/>
+            <p:cNvSpPr/>
+            <p:nvPr/>
+          </p:nvSpPr>
+          <p:spPr>
+            <a:xfrm>
+              <a:off x="2706752" y="4331062"/>
+              <a:ext cx="2282590" cy="2133215"/>
+            </a:xfrm>
+            <a:prstGeom prst="rect">
+              <a:avLst/>
+            </a:prstGeom>
+            <a:noFill/>
+            <a:ln cmpd="sng">
+              <a:prstDash val="lgDashDotDot"/>
+            </a:ln>
+          </p:spPr>
+          <p:style>
+            <a:lnRef idx="2">
+              <a:schemeClr val="accent1">
+                <a:shade val="50000"/>
+              </a:schemeClr>
+            </a:lnRef>
+            <a:fillRef idx="1">
+              <a:schemeClr val="accent1"/>
+            </a:fillRef>
+            <a:effectRef idx="0">
+              <a:schemeClr val="accent1"/>
+            </a:effectRef>
+            <a:fontRef idx="minor">
+              <a:schemeClr val="lt1"/>
+            </a:fontRef>
+          </p:style>
+          <p:txBody>
+            <a:bodyPr rtlCol="0" anchor="t"/>
+            <a:lstStyle/>
+            <a:p>
+              <a:pPr algn="ctr"/>
+              <a:endParaRPr lang="en-US" b="1" dirty="0" smtClean="0">
+                <a:solidFill>
+                  <a:schemeClr val="tx1"/>
+                </a:solidFill>
+              </a:endParaRPr>
+            </a:p>
+          </p:txBody>
+        </p:sp>
+      </p:grpSp>
+      <p:cxnSp>
+        <p:nvCxnSpPr>
+          <p:cNvPr id="56" name="Straight Arrow Connector 55"/>
+          <p:cNvCxnSpPr>
+            <a:stCxn id="16" idx="4"/>
+            <a:endCxn id="42" idx="1"/>
+          </p:cNvCxnSpPr>
+          <p:nvPr/>
+        </p:nvCxnSpPr>
+        <p:spPr>
+          <a:xfrm flipV="1">
+            <a:off x="4762446" y="5231680"/>
+            <a:ext cx="2518330" cy="200700"/>
+          </a:xfrm>
+          <a:prstGeom prst="bentConnector3">
+            <a:avLst>
+              <a:gd name="adj1" fmla="val 50000"/>
+            </a:avLst>
+          </a:prstGeom>
+          <a:ln w="12700">
+            <a:headEnd type="triangle" w="lg" len="lg"/>
+            <a:tailEnd type="triangle" w="lg" len="lg"/>
+          </a:ln>
+        </p:spPr>
+        <p:style>
+          <a:lnRef idx="1">
+            <a:schemeClr val="accent1"/>
+          </a:lnRef>
+          <a:fillRef idx="0">
+            <a:schemeClr val="accent1"/>
+          </a:fillRef>
+          <a:effectRef idx="0">
+            <a:schemeClr val="accent1"/>
+          </a:effectRef>
+          <a:fontRef idx="minor">
+            <a:schemeClr val="tx1"/>
+          </a:fontRef>
+        </p:style>
+      </p:cxnSp>
+      <p:sp>
+        <p:nvSpPr>
+          <p:cNvPr id="63" name="TextBox 62"/>
+          <p:cNvSpPr txBox="1"/>
+          <p:nvPr/>
+        </p:nvSpPr>
+        <p:spPr>
+          <a:xfrm>
+            <a:off x="1427383" y="3848756"/>
+            <a:ext cx="1019382" cy="954107"/>
+          </a:xfrm>
+          <a:prstGeom prst="rect">
+            <a:avLst/>
+          </a:prstGeom>
+          <a:noFill/>
+        </p:spPr>
+        <p:txBody>
+          <a:bodyPr wrap="square" rtlCol="0">
+            <a:spAutoFit/>
+          </a:bodyPr>
+          <a:lstStyle/>
+          <a:p>
+            <a:r>
+              <a:rPr lang="en-US" sz="1400" dirty="0" smtClean="0"/>
+              <a:t>Application render on Client browser</a:t>
+            </a:r>
+            <a:endParaRPr lang="en-US" sz="1400" dirty="0"/>
+          </a:p>
+        </p:txBody>
+      </p:sp>
+      <p:cxnSp>
+        <p:nvCxnSpPr>
+          <p:cNvPr id="68" name="Straight Arrow Connector 67"/>
+          <p:cNvCxnSpPr>
+            <a:stCxn id="46" idx="3"/>
+          </p:cNvCxnSpPr>
+          <p:nvPr/>
+        </p:nvCxnSpPr>
+        <p:spPr>
+          <a:xfrm>
+            <a:off x="4945907" y="1635572"/>
+            <a:ext cx="1645606" cy="0"/>
+          </a:xfrm>
+          <a:prstGeom prst="straightConnector1">
+            <a:avLst/>
+          </a:prstGeom>
+          <a:ln w="12700">
+            <a:headEnd type="triangle" w="lg" len="lg"/>
+            <a:tailEnd type="triangle" w="lg" len="lg"/>
+          </a:ln>
+        </p:spPr>
+        <p:style>
+          <a:lnRef idx="1">
+            <a:schemeClr val="accent1"/>
+          </a:lnRef>
+          <a:fillRef idx="0">
+            <a:schemeClr val="accent1"/>
+          </a:fillRef>
+          <a:effectRef idx="0">
+            <a:schemeClr val="accent1"/>
+          </a:effectRef>
+          <a:fontRef idx="minor">
+            <a:schemeClr val="tx1"/>
+          </a:fontRef>
+        </p:style>
+      </p:cxnSp>
+      <p:sp>
+        <p:nvSpPr>
+          <p:cNvPr id="72" name="TextBox 71"/>
+          <p:cNvSpPr txBox="1"/>
+          <p:nvPr/>
+        </p:nvSpPr>
+        <p:spPr>
+          <a:xfrm>
+            <a:off x="5367911" y="1259676"/>
+            <a:ext cx="804061" cy="313735"/>
+          </a:xfrm>
+          <a:prstGeom prst="rect">
+            <a:avLst/>
+          </a:prstGeom>
+          <a:noFill/>
+        </p:spPr>
+        <p:txBody>
+          <a:bodyPr wrap="square" rtlCol="0">
+            <a:spAutoFit/>
+          </a:bodyPr>
+          <a:lstStyle/>
+          <a:p>
+            <a:r>
+              <a:rPr lang="en-US" sz="1400" dirty="0" smtClean="0"/>
+              <a:t>Request</a:t>
+            </a:r>
+            <a:endParaRPr lang="en-US" sz="1400" dirty="0"/>
+          </a:p>
+        </p:txBody>
+      </p:sp>
+      <p:sp>
+        <p:nvSpPr>
+          <p:cNvPr id="75" name="TextBox 74"/>
+          <p:cNvSpPr txBox="1"/>
+          <p:nvPr/>
+        </p:nvSpPr>
+        <p:spPr>
+          <a:xfrm>
+            <a:off x="5307604" y="1772273"/>
+            <a:ext cx="922211" cy="307777"/>
+          </a:xfrm>
+          <a:prstGeom prst="rect">
+            <a:avLst/>
+          </a:prstGeom>
+          <a:noFill/>
+        </p:spPr>
+        <p:txBody>
+          <a:bodyPr wrap="square" rtlCol="0">
+            <a:spAutoFit/>
+          </a:bodyPr>
+          <a:lstStyle/>
+          <a:p>
+            <a:r>
+              <a:rPr lang="en-US" sz="1400" dirty="0" smtClean="0"/>
+              <a:t>Response</a:t>
+            </a:r>
+            <a:endParaRPr lang="en-US" sz="1400" dirty="0"/>
+          </a:p>
+        </p:txBody>
+      </p:sp>
+      <p:cxnSp>
+        <p:nvCxnSpPr>
+          <p:cNvPr id="78" name="Straight Arrow Connector 77"/>
+          <p:cNvCxnSpPr>
+            <a:stCxn id="2" idx="3"/>
+            <a:endCxn id="46" idx="1"/>
+          </p:cNvCxnSpPr>
+          <p:nvPr/>
+        </p:nvCxnSpPr>
+        <p:spPr>
+          <a:xfrm flipV="1">
+            <a:off x="1364567" y="1635572"/>
+            <a:ext cx="1385620" cy="2060075"/>
+          </a:xfrm>
+          <a:prstGeom prst="bentConnector3">
+            <a:avLst>
+              <a:gd name="adj1" fmla="val 50000"/>
+            </a:avLst>
+          </a:prstGeom>
+          <a:ln w="12700">
+            <a:headEnd type="triangle" w="lg" len="lg"/>
+            <a:tailEnd type="triangle" w="lg" len="lg"/>
+          </a:ln>
+        </p:spPr>
+        <p:style>
+          <a:lnRef idx="1">
+            <a:schemeClr val="accent1"/>
+          </a:lnRef>
+          <a:fillRef idx="0">
+            <a:schemeClr val="accent1"/>
+          </a:fillRef>
+          <a:effectRef idx="0">
+            <a:schemeClr val="accent1"/>
+          </a:effectRef>
+          <a:fontRef idx="minor">
+            <a:schemeClr val="tx1"/>
+          </a:fontRef>
+        </p:style>
+      </p:cxnSp>
+      <p:sp>
+        <p:nvSpPr>
+          <p:cNvPr id="86" name="TextBox 85"/>
+          <p:cNvSpPr txBox="1"/>
+          <p:nvPr/>
+        </p:nvSpPr>
+        <p:spPr>
+          <a:xfrm>
+            <a:off x="5267479" y="5057072"/>
+            <a:ext cx="637739" cy="307777"/>
+          </a:xfrm>
+          <a:prstGeom prst="rect">
+            <a:avLst/>
+          </a:prstGeom>
+          <a:noFill/>
+        </p:spPr>
+        <p:txBody>
+          <a:bodyPr wrap="square" rtlCol="0">
+            <a:spAutoFit/>
+          </a:bodyPr>
+          <a:lstStyle/>
+          <a:p>
+            <a:r>
+              <a:rPr lang="en-US" sz="1400" dirty="0" smtClean="0"/>
+              <a:t>CRUD</a:t>
+            </a:r>
+            <a:endParaRPr lang="en-US" sz="1400" dirty="0"/>
+          </a:p>
+        </p:txBody>
+      </p:sp>
+    </p:spTree>
+    <p:extLst>
+      <p:ext uri="{BB962C8B-B14F-4D97-AF65-F5344CB8AC3E}">
+        <p14:creationId xmlns:p14="http://schemas.microsoft.com/office/powerpoint/2010/main" val="947267770"/>
+      </p:ext>
+    </p:extLst>
+  </p:cSld>
+  <p:clrMapOvr>
+    <a:masterClrMapping/>
+  </p:clrMapOvr>
+  <p:timing>
+    <p:tnLst>
+      <p:par>
+        <p:cTn id="1" dur="indefinite" restart="never" nodeType="tmRoot"/>
+      </p:par>
+    </p:tnLst>
+  </p:timing>
 </p:sld>
 </file>
 
